--- a/Capstone_DublinBiz_week2.pptx
+++ b/Capstone_DublinBiz_week2.pptx
@@ -9,7 +9,8 @@
     <p:sldId id="257" r:id="rId3"/>
     <p:sldId id="258" r:id="rId4"/>
     <p:sldId id="259" r:id="rId5"/>
-    <p:sldId id="260" r:id="rId6"/>
+    <p:sldId id="261" r:id="rId6"/>
+    <p:sldId id="260" r:id="rId7"/>
   </p:sldIdLst>
   <p:sldSz cx="12192000" cy="6858000"/>
   <p:notesSz cx="6858000" cy="9144000"/>
@@ -4886,6 +4887,33 @@
           </a:p>
         </p:txBody>
       </p:sp>
+      <p:pic>
+        <p:nvPicPr>
+          <p:cNvPr id="12" name="Picture 11">
+            <a:extLst>
+              <a:ext uri="{FF2B5EF4-FFF2-40B4-BE49-F238E27FC236}">
+                <a16:creationId xmlns:a16="http://schemas.microsoft.com/office/drawing/2014/main" id="{D0B7183C-C2EA-4D9D-99FC-EFD8C53AB2BC}"/>
+              </a:ext>
+            </a:extLst>
+          </p:cNvPr>
+          <p:cNvPicPr/>
+          <p:nvPr/>
+        </p:nvPicPr>
+        <p:blipFill rotWithShape="1">
+          <a:blip r:embed="rId6"/>
+          <a:srcRect l="43436" r="-1"/>
+          <a:stretch/>
+        </p:blipFill>
+        <p:spPr>
+          <a:xfrm>
+            <a:off x="8435383" y="1690688"/>
+            <a:ext cx="2688338" cy="1548001"/>
+          </a:xfrm>
+          <a:prstGeom prst="rect">
+            <a:avLst/>
+          </a:prstGeom>
+        </p:spPr>
+      </p:pic>
     </p:spTree>
     <p:extLst>
       <p:ext uri="{BB962C8B-B14F-4D97-AF65-F5344CB8AC3E}">
@@ -4900,6 +4928,270 @@
 </file>
 
 <file path=ppt/slides/slide5.xml><?xml version="1.0" encoding="utf-8"?>
+<p:sld xmlns:a="http://schemas.openxmlformats.org/drawingml/2006/main" xmlns:r="http://schemas.openxmlformats.org/officeDocument/2006/relationships" xmlns:p="http://schemas.openxmlformats.org/presentationml/2006/main">
+  <p:cSld>
+    <p:bg>
+      <p:bgPr>
+        <a:gradFill flip="none" rotWithShape="1">
+          <a:gsLst>
+            <a:gs pos="0">
+              <a:schemeClr val="accent2">
+                <a:lumMod val="0"/>
+                <a:lumOff val="100000"/>
+              </a:schemeClr>
+            </a:gs>
+            <a:gs pos="35000">
+              <a:schemeClr val="accent2">
+                <a:lumMod val="0"/>
+                <a:lumOff val="100000"/>
+              </a:schemeClr>
+            </a:gs>
+            <a:gs pos="100000">
+              <a:schemeClr val="accent2">
+                <a:lumMod val="100000"/>
+              </a:schemeClr>
+            </a:gs>
+          </a:gsLst>
+          <a:path path="circle">
+            <a:fillToRect l="50000" t="-80000" r="50000" b="180000"/>
+          </a:path>
+          <a:tileRect/>
+        </a:gradFill>
+        <a:effectLst/>
+      </p:bgPr>
+    </p:bg>
+    <p:spTree>
+      <p:nvGrpSpPr>
+        <p:cNvPr id="1" name=""/>
+        <p:cNvGrpSpPr/>
+        <p:nvPr/>
+      </p:nvGrpSpPr>
+      <p:grpSpPr>
+        <a:xfrm>
+          <a:off x="0" y="0"/>
+          <a:ext cx="0" cy="0"/>
+          <a:chOff x="0" y="0"/>
+          <a:chExt cx="0" cy="0"/>
+        </a:xfrm>
+      </p:grpSpPr>
+      <p:sp>
+        <p:nvSpPr>
+          <p:cNvPr id="2" name="Title 1">
+            <a:extLst>
+              <a:ext uri="{FF2B5EF4-FFF2-40B4-BE49-F238E27FC236}">
+                <a16:creationId xmlns:a16="http://schemas.microsoft.com/office/drawing/2014/main" id="{9C16A879-8172-481E-8927-B34C0BA3BC9C}"/>
+              </a:ext>
+            </a:extLst>
+          </p:cNvPr>
+          <p:cNvSpPr>
+            <a:spLocks noGrp="1"/>
+          </p:cNvSpPr>
+          <p:nvPr>
+            <p:ph type="title"/>
+          </p:nvPr>
+        </p:nvSpPr>
+        <p:spPr/>
+        <p:txBody>
+          <a:bodyPr/>
+          <a:lstStyle/>
+          <a:p>
+            <a:r>
+              <a:rPr lang="en-IN" b="1" dirty="0"/>
+              <a:t>Analysis - Discussions</a:t>
+            </a:r>
+          </a:p>
+        </p:txBody>
+      </p:sp>
+      <p:sp>
+        <p:nvSpPr>
+          <p:cNvPr id="4" name="Rectangle 3">
+            <a:extLst>
+              <a:ext uri="{FF2B5EF4-FFF2-40B4-BE49-F238E27FC236}">
+                <a16:creationId xmlns:a16="http://schemas.microsoft.com/office/drawing/2014/main" id="{819B633C-BC19-4810-B4CF-D90AF78224CD}"/>
+              </a:ext>
+            </a:extLst>
+          </p:cNvPr>
+          <p:cNvSpPr/>
+          <p:nvPr/>
+        </p:nvSpPr>
+        <p:spPr>
+          <a:xfrm>
+            <a:off x="417250" y="2201662"/>
+            <a:ext cx="10670959" cy="3046219"/>
+          </a:xfrm>
+          <a:prstGeom prst="rect">
+            <a:avLst/>
+          </a:prstGeom>
+        </p:spPr>
+        <p:txBody>
+          <a:bodyPr wrap="square">
+            <a:spAutoFit/>
+          </a:bodyPr>
+          <a:lstStyle/>
+          <a:p>
+            <a:pPr marL="285750" indent="-285750">
+              <a:lnSpc>
+                <a:spcPct val="107000"/>
+              </a:lnSpc>
+              <a:spcAft>
+                <a:spcPts val="800"/>
+              </a:spcAft>
+              <a:buFont typeface="Arial" panose="020B0604020202020204" pitchFamily="34" charset="0"/>
+              <a:buChar char="•"/>
+            </a:pPr>
+            <a:r>
+              <a:rPr lang="en-IN" sz="2400" dirty="0">
+                <a:latin typeface="Calibri" panose="020F0502020204030204" pitchFamily="34" charset="0"/>
+                <a:ea typeface="Calibri" panose="020F0502020204030204" pitchFamily="34" charset="0"/>
+                <a:cs typeface="Times New Roman" panose="02020603050405020304" pitchFamily="18" charset="0"/>
+              </a:rPr>
+              <a:t>Overall Asian Restaurants have less/0 existence in </a:t>
+            </a:r>
+            <a:r>
+              <a:rPr lang="en-IN" sz="2400" b="1" dirty="0">
+                <a:latin typeface="Calibri" panose="020F0502020204030204" pitchFamily="34" charset="0"/>
+                <a:ea typeface="Calibri" panose="020F0502020204030204" pitchFamily="34" charset="0"/>
+                <a:cs typeface="Times New Roman" panose="02020603050405020304" pitchFamily="18" charset="0"/>
+              </a:rPr>
+              <a:t>Dublin City</a:t>
+            </a:r>
+            <a:r>
+              <a:rPr lang="en-IN" sz="2400" dirty="0">
+                <a:latin typeface="Calibri" panose="020F0502020204030204" pitchFamily="34" charset="0"/>
+                <a:ea typeface="Calibri" panose="020F0502020204030204" pitchFamily="34" charset="0"/>
+                <a:cs typeface="Times New Roman" panose="02020603050405020304" pitchFamily="18" charset="0"/>
+              </a:rPr>
+              <a:t> (Dublin 1, Dublin 2) , </a:t>
+            </a:r>
+            <a:r>
+              <a:rPr lang="en-IN" sz="2400" b="1" dirty="0">
+                <a:latin typeface="Calibri" panose="020F0502020204030204" pitchFamily="34" charset="0"/>
+                <a:ea typeface="Calibri" panose="020F0502020204030204" pitchFamily="34" charset="0"/>
+                <a:cs typeface="Times New Roman" panose="02020603050405020304" pitchFamily="18" charset="0"/>
+              </a:rPr>
+              <a:t>Fingal</a:t>
+            </a:r>
+            <a:r>
+              <a:rPr lang="en-IN" sz="2400" dirty="0">
+                <a:latin typeface="Calibri" panose="020F0502020204030204" pitchFamily="34" charset="0"/>
+                <a:ea typeface="Calibri" panose="020F0502020204030204" pitchFamily="34" charset="0"/>
+                <a:cs typeface="Times New Roman" panose="02020603050405020304" pitchFamily="18" charset="0"/>
+              </a:rPr>
+              <a:t> and </a:t>
+            </a:r>
+            <a:r>
+              <a:rPr lang="en-IN" sz="2400" b="1" dirty="0">
+                <a:latin typeface="Calibri" panose="020F0502020204030204" pitchFamily="34" charset="0"/>
+                <a:ea typeface="Calibri" panose="020F0502020204030204" pitchFamily="34" charset="0"/>
+                <a:cs typeface="Times New Roman" panose="02020603050405020304" pitchFamily="18" charset="0"/>
+              </a:rPr>
+              <a:t>Dun-</a:t>
+            </a:r>
+            <a:r>
+              <a:rPr lang="en-IN" sz="2400" b="1" dirty="0" err="1">
+                <a:latin typeface="Calibri" panose="020F0502020204030204" pitchFamily="34" charset="0"/>
+                <a:ea typeface="Calibri" panose="020F0502020204030204" pitchFamily="34" charset="0"/>
+                <a:cs typeface="Times New Roman" panose="02020603050405020304" pitchFamily="18" charset="0"/>
+              </a:rPr>
+              <a:t>Laghorie</a:t>
+            </a:r>
+            <a:r>
+              <a:rPr lang="en-IN" sz="2400" dirty="0">
+                <a:latin typeface="Calibri" panose="020F0502020204030204" pitchFamily="34" charset="0"/>
+                <a:ea typeface="Calibri" panose="020F0502020204030204" pitchFamily="34" charset="0"/>
+                <a:cs typeface="Times New Roman" panose="02020603050405020304" pitchFamily="18" charset="0"/>
+              </a:rPr>
+              <a:t> areas, region which has plenty of restaurants and cafe otherwise.</a:t>
+            </a:r>
+          </a:p>
+          <a:p>
+            <a:pPr marL="285750" indent="-285750">
+              <a:lnSpc>
+                <a:spcPct val="107000"/>
+              </a:lnSpc>
+              <a:spcAft>
+                <a:spcPts val="800"/>
+              </a:spcAft>
+              <a:buFont typeface="Arial" panose="020B0604020202020204" pitchFamily="34" charset="0"/>
+              <a:buChar char="•"/>
+            </a:pPr>
+            <a:r>
+              <a:rPr lang="en-IN" sz="2400" dirty="0">
+                <a:latin typeface="Calibri" panose="020F0502020204030204" pitchFamily="34" charset="0"/>
+                <a:ea typeface="Calibri" panose="020F0502020204030204" pitchFamily="34" charset="0"/>
+                <a:cs typeface="Times New Roman" panose="02020603050405020304" pitchFamily="18" charset="0"/>
+              </a:rPr>
+              <a:t>Assuming Asian migrated peoples are settling in Dublin 15, Dublin 2, Dublin 4 postal districts majorly, hence </a:t>
+            </a:r>
+            <a:r>
+              <a:rPr lang="en-IN" sz="2400" b="1" dirty="0">
+                <a:latin typeface="Calibri" panose="020F0502020204030204" pitchFamily="34" charset="0"/>
+                <a:ea typeface="Calibri" panose="020F0502020204030204" pitchFamily="34" charset="0"/>
+                <a:cs typeface="Times New Roman" panose="02020603050405020304" pitchFamily="18" charset="0"/>
+              </a:rPr>
+              <a:t>Dubin2</a:t>
+            </a:r>
+            <a:r>
+              <a:rPr lang="en-IN" sz="2400" dirty="0">
+                <a:latin typeface="Calibri" panose="020F0502020204030204" pitchFamily="34" charset="0"/>
+                <a:ea typeface="Calibri" panose="020F0502020204030204" pitchFamily="34" charset="0"/>
+                <a:cs typeface="Times New Roman" panose="02020603050405020304" pitchFamily="18" charset="0"/>
+              </a:rPr>
+              <a:t> and </a:t>
+            </a:r>
+            <a:r>
+              <a:rPr lang="en-IN" sz="2400" b="1" dirty="0">
+                <a:latin typeface="Calibri" panose="020F0502020204030204" pitchFamily="34" charset="0"/>
+                <a:ea typeface="Calibri" panose="020F0502020204030204" pitchFamily="34" charset="0"/>
+                <a:cs typeface="Times New Roman" panose="02020603050405020304" pitchFamily="18" charset="0"/>
+              </a:rPr>
+              <a:t>Dublin4</a:t>
+            </a:r>
+            <a:r>
+              <a:rPr lang="en-IN" sz="2400" dirty="0">
+                <a:latin typeface="Calibri" panose="020F0502020204030204" pitchFamily="34" charset="0"/>
+                <a:ea typeface="Calibri" panose="020F0502020204030204" pitchFamily="34" charset="0"/>
+                <a:cs typeface="Times New Roman" panose="02020603050405020304" pitchFamily="18" charset="0"/>
+              </a:rPr>
+              <a:t> can be a good potential area for Asian restaurant</a:t>
+            </a:r>
+          </a:p>
+          <a:p>
+            <a:pPr marL="285750" indent="-285750">
+              <a:lnSpc>
+                <a:spcPct val="107000"/>
+              </a:lnSpc>
+              <a:spcAft>
+                <a:spcPts val="800"/>
+              </a:spcAft>
+              <a:buFont typeface="Arial" panose="020B0604020202020204" pitchFamily="34" charset="0"/>
+              <a:buChar char="•"/>
+            </a:pPr>
+            <a:r>
+              <a:rPr lang="en-IN" sz="2400" dirty="0">
+                <a:latin typeface="Calibri" panose="020F0502020204030204" pitchFamily="34" charset="0"/>
+                <a:ea typeface="Calibri" panose="020F0502020204030204" pitchFamily="34" charset="0"/>
+                <a:cs typeface="Times New Roman" panose="02020603050405020304" pitchFamily="18" charset="0"/>
+              </a:rPr>
+              <a:t>Also map shows less Asian restaurants in overall Dublin, specifically in Dublin City.</a:t>
+            </a:r>
+          </a:p>
+        </p:txBody>
+      </p:sp>
+    </p:spTree>
+    <p:extLst>
+      <p:ext uri="{BB962C8B-B14F-4D97-AF65-F5344CB8AC3E}">
+        <p14:creationId xmlns:p14="http://schemas.microsoft.com/office/powerpoint/2010/main" val="740099741"/>
+      </p:ext>
+    </p:extLst>
+  </p:cSld>
+  <p:clrMapOvr>
+    <a:masterClrMapping/>
+  </p:clrMapOvr>
+</p:sld>
+</file>
+
+<file path=ppt/slides/slide6.xml><?xml version="1.0" encoding="utf-8"?>
 <p:sld xmlns:a="http://schemas.openxmlformats.org/drawingml/2006/main" xmlns:r="http://schemas.openxmlformats.org/officeDocument/2006/relationships" xmlns:p="http://schemas.openxmlformats.org/presentationml/2006/main">
   <p:cSld>
     <p:bg>
@@ -5247,43 +5539,55 @@
           <a:lstStyle/>
           <a:p>
             <a:r>
-              <a:rPr lang="en-IN" b="1" i="1"/>
-              <a:t>Fingal</a:t>
-            </a:r>
-            <a:r>
-              <a:rPr lang="en-IN"/>
-              <a:t> would be potential region to open a </a:t>
-            </a:r>
-            <a:r>
-              <a:rPr lang="en-IN" b="1" i="1"/>
-              <a:t>Grocery store</a:t>
-            </a:r>
-            <a:endParaRPr lang="en-IN"/>
-          </a:p>
-          <a:p>
-            <a:r>
-              <a:rPr lang="en-IN"/>
+              <a:rPr lang="en-IN" b="1" i="1" dirty="0"/>
+              <a:t>Dublin City, Fingal </a:t>
+            </a:r>
+            <a:r>
+              <a:rPr lang="en-IN" dirty="0"/>
+              <a:t>and </a:t>
+            </a:r>
+            <a:r>
+              <a:rPr lang="en-IN" b="1" dirty="0"/>
+              <a:t>Dun-</a:t>
+            </a:r>
+            <a:r>
+              <a:rPr lang="en-IN" b="1" dirty="0" err="1"/>
+              <a:t>Laghorie</a:t>
+            </a:r>
+            <a:r>
+              <a:rPr lang="en-IN" dirty="0"/>
+              <a:t> would be potential regions to open a </a:t>
+            </a:r>
+            <a:r>
+              <a:rPr lang="en-IN" b="1" i="1" dirty="0"/>
+              <a:t>Asian Restaurant</a:t>
+            </a:r>
+            <a:endParaRPr lang="en-IN" dirty="0"/>
+          </a:p>
+          <a:p>
+            <a:r>
+              <a:rPr lang="en-IN" dirty="0"/>
               <a:t>Assuming increasing population in </a:t>
             </a:r>
             <a:r>
-              <a:rPr lang="en-IN" b="1"/>
+              <a:rPr lang="en-IN" b="1" dirty="0"/>
               <a:t>Dublin 4, Dublin 8 and Fingal region,</a:t>
             </a:r>
             <a:r>
-              <a:rPr lang="en-IN"/>
+              <a:rPr lang="en-IN" dirty="0"/>
               <a:t> </a:t>
             </a:r>
             <a:r>
-              <a:rPr lang="en-IN" b="1" i="1"/>
+              <a:rPr lang="en-IN" b="1" i="1" dirty="0"/>
               <a:t>Asian restaurants</a:t>
             </a:r>
             <a:r>
-              <a:rPr lang="en-IN"/>
+              <a:rPr lang="en-IN" dirty="0"/>
               <a:t> would have good potential in these areas of Dublin </a:t>
             </a:r>
           </a:p>
           <a:p>
-            <a:endParaRPr lang="en-IN"/>
+            <a:endParaRPr lang="en-IN" dirty="0"/>
           </a:p>
         </p:txBody>
       </p:sp>
